--- a/Donohue Electronic Recycle.pptx
+++ b/Donohue Electronic Recycle.pptx
@@ -221,7 +221,7 @@
           <a:p>
             <a:fld id="{762B48F5-BACC-47D6-A0F7-82FBF9C6BC85}" type="datetimeFigureOut">
               <a:rPr lang="en-US"/>
-              <a:t>5/2/2016</a:t>
+              <a:t>5/4/2016</a:t>
             </a:fld>
             <a:endParaRPr/>
           </a:p>
@@ -386,7 +386,7 @@
           <a:p>
             <a:fld id="{0CB1CD00-5424-4675-AB18-2C419B060449}" type="datetimeFigureOut">
               <a:rPr lang="en-US"/>
-              <a:t>5/2/2016</a:t>
+              <a:t>5/4/2016</a:t>
             </a:fld>
             <a:endParaRPr/>
           </a:p>
@@ -1033,7 +1033,7 @@
           <a:p>
             <a:fld id="{37CC0096-1860-4642-9CD2-0079EA5E7CD1}" type="datetimeFigureOut">
               <a:rPr lang="en-US" smtClean="0"/>
-              <a:t>5/2/2016</a:t>
+              <a:t>5/4/2016</a:t>
             </a:fld>
             <a:endParaRPr lang="en-US"/>
           </a:p>
@@ -1228,7 +1228,7 @@
           <a:p>
             <a:fld id="{37CC0096-1860-4642-9CD2-0079EA5E7CD1}" type="datetimeFigureOut">
               <a:rPr lang="en-US" smtClean="0"/>
-              <a:t>5/2/2016</a:t>
+              <a:t>5/4/2016</a:t>
             </a:fld>
             <a:endParaRPr lang="en-US"/>
           </a:p>
@@ -1417,7 +1417,7 @@
           <a:p>
             <a:fld id="{37CC0096-1860-4642-9CD2-0079EA5E7CD1}" type="datetimeFigureOut">
               <a:rPr lang="en-US" smtClean="0"/>
-              <a:t>5/2/2016</a:t>
+              <a:t>5/4/2016</a:t>
             </a:fld>
             <a:endParaRPr lang="en-US"/>
           </a:p>
@@ -1882,7 +1882,7 @@
           <a:p>
             <a:fld id="{37CC0096-1860-4642-9CD2-0079EA5E7CD1}" type="datetimeFigureOut">
               <a:rPr lang="en-US" smtClean="0"/>
-              <a:t>5/2/2016</a:t>
+              <a:t>5/4/2016</a:t>
             </a:fld>
             <a:endParaRPr lang="en-US"/>
           </a:p>
@@ -2337,7 +2337,7 @@
           <a:p>
             <a:fld id="{37CC0096-1860-4642-9CD2-0079EA5E7CD1}" type="datetimeFigureOut">
               <a:rPr lang="en-US" smtClean="0"/>
-              <a:t>5/2/2016</a:t>
+              <a:t>5/4/2016</a:t>
             </a:fld>
             <a:endParaRPr lang="en-US"/>
           </a:p>
@@ -2470,7 +2470,7 @@
           <a:p>
             <a:fld id="{37CC0096-1860-4642-9CD2-0079EA5E7CD1}" type="datetimeFigureOut">
               <a:rPr lang="en-US" smtClean="0"/>
-              <a:t>5/2/2016</a:t>
+              <a:t>5/4/2016</a:t>
             </a:fld>
             <a:endParaRPr lang="en-US"/>
           </a:p>
@@ -2580,7 +2580,7 @@
           <a:p>
             <a:fld id="{37CC0096-1860-4642-9CD2-0079EA5E7CD1}" type="datetimeFigureOut">
               <a:rPr lang="en-US" smtClean="0"/>
-              <a:t>5/2/2016</a:t>
+              <a:t>5/4/2016</a:t>
             </a:fld>
             <a:endParaRPr lang="en-US"/>
           </a:p>
@@ -2879,7 +2879,7 @@
           <a:p>
             <a:fld id="{37CC0096-1860-4642-9CD2-0079EA5E7CD1}" type="datetimeFigureOut">
               <a:rPr lang="en-US" smtClean="0"/>
-              <a:t>5/2/2016</a:t>
+              <a:t>5/4/2016</a:t>
             </a:fld>
             <a:endParaRPr lang="en-US"/>
           </a:p>
@@ -3207,7 +3207,7 @@
           <a:p>
             <a:fld id="{37CC0096-1860-4642-9CD2-0079EA5E7CD1}" type="datetimeFigureOut">
               <a:rPr lang="en-US" smtClean="0"/>
-              <a:t>5/2/2016</a:t>
+              <a:t>5/4/2016</a:t>
             </a:fld>
             <a:endParaRPr lang="en-US"/>
           </a:p>
@@ -3436,7 +3436,7 @@
             <a:fld id="{37CC0096-1860-4642-9CD2-0079EA5E7CD1}" type="datetimeFigureOut">
               <a:rPr lang="en-US"/>
               <a:pPr/>
-              <a:t>5/2/2016</a:t>
+              <a:t>5/4/2016</a:t>
             </a:fld>
             <a:endParaRPr/>
           </a:p>
@@ -3926,8 +3926,12 @@
           <a:lstStyle/>
           <a:p>
             <a:r>
-              <a:rPr lang="en-US" dirty="0" smtClean="0"/>
-              <a:t>Recycling Electronics</a:t>
+              <a:rPr lang="en-US" smtClean="0"/>
+              <a:t>Recycling </a:t>
+            </a:r>
+            <a:r>
+              <a:rPr lang="en-US" smtClean="0"/>
+              <a:t>Test Electronics</a:t>
             </a:r>
             <a:endParaRPr dirty="0"/>
           </a:p>

--- a/Donohue Electronic Recycle.pptx
+++ b/Donohue Electronic Recycle.pptx
@@ -3926,12 +3926,8 @@
           <a:lstStyle/>
           <a:p>
             <a:r>
-              <a:rPr lang="en-US" smtClean="0"/>
-              <a:t>Recycling </a:t>
-            </a:r>
-            <a:r>
-              <a:rPr lang="en-US" smtClean="0"/>
-              <a:t>Test Electronics</a:t>
+              <a:rPr lang="en-US" dirty="0" smtClean="0"/>
+              <a:t>Recycling Electronics</a:t>
             </a:r>
             <a:endParaRPr dirty="0"/>
           </a:p>

--- a/Donohue Electronic Recycle.pptx
+++ b/Donohue Electronic Recycle.pptx
@@ -3927,7 +3927,11 @@
           <a:p>
             <a:r>
               <a:rPr lang="en-US" dirty="0" smtClean="0"/>
-              <a:t>Recycling Electronics</a:t>
+              <a:t>Recycling Test </a:t>
+            </a:r>
+            <a:r>
+              <a:rPr lang="en-US" dirty="0" smtClean="0"/>
+              <a:t>Electronics</a:t>
             </a:r>
             <a:endParaRPr dirty="0"/>
           </a:p>
